--- a/VISA_template_jira_autoupdater.pptx
+++ b/VISA_template_jira_autoupdater.pptx
@@ -757,7 +757,7 @@
               <a:rPr lang="fr-FR" smtClean="0">
                 <a:latin typeface="Arial" panose="020B0604020202020204" pitchFamily="34" charset="0"/>
               </a:rPr>
-              <a:t>18/03/2025</a:t>
+              <a:t>20/03/2025</a:t>
             </a:fld>
             <a:endParaRPr lang="fr-FR" dirty="0">
               <a:latin typeface="Arial" panose="020B0604020202020204" pitchFamily="34" charset="0"/>
@@ -986,7 +986,7 @@
             <a:fld id="{564EAD26-5014-4118-B613-AF182E4393D3}" type="datetimeFigureOut">
               <a:rPr lang="en-US" smtClean="0"/>
               <a:pPr/>
-              <a:t>3/18/2025</a:t>
+              <a:t>3/20/25</a:t>
             </a:fld>
             <a:endParaRPr lang="en-US" dirty="0"/>
           </a:p>
@@ -2242,7 +2242,7 @@
             <a:pPr algn="r"/>
             <a:fld id="{6C28780D-BF26-4C09-885A-F2F649378307}" type="datetime1">
               <a:rPr lang="fr-FR" smtClean="0"/>
-              <a:t>18/03/2025</a:t>
+              <a:t>20/03/2025</a:t>
             </a:fld>
             <a:endParaRPr lang="fr-FR" dirty="0"/>
           </a:p>
@@ -2706,7 +2706,7 @@
             <a:pPr algn="r"/>
             <a:fld id="{A425DCB9-686C-4A2C-BD0C-9EB1DBE4A39D}" type="datetime1">
               <a:rPr lang="fr-FR" smtClean="0"/>
-              <a:t>18/03/2025</a:t>
+              <a:t>20/03/2025</a:t>
             </a:fld>
             <a:endParaRPr lang="fr-FR" dirty="0"/>
           </a:p>
@@ -3115,7 +3115,7 @@
             <a:pPr algn="r"/>
             <a:fld id="{284D7C14-8A4D-4B37-A6FD-A1EF11C54125}" type="datetime1">
               <a:rPr lang="fr-FR" smtClean="0"/>
-              <a:t>18/03/2025</a:t>
+              <a:t>20/03/2025</a:t>
             </a:fld>
             <a:endParaRPr lang="fr-FR" dirty="0"/>
           </a:p>
@@ -3397,7 +3397,7 @@
             <a:pPr algn="r"/>
             <a:fld id="{2399D04A-D47E-4E0E-81B7-81B84D76A04B}" type="datetime1">
               <a:rPr lang="fr-FR" smtClean="0"/>
-              <a:t>18/03/2025</a:t>
+              <a:t>20/03/2025</a:t>
             </a:fld>
             <a:endParaRPr lang="fr-FR" dirty="0"/>
           </a:p>
@@ -3646,7 +3646,7 @@
             <a:pPr algn="r"/>
             <a:fld id="{79F40542-5C92-4FA1-8C08-7CB04530B1CE}" type="datetime1">
               <a:rPr lang="fr-FR" smtClean="0"/>
-              <a:t>18/03/2025</a:t>
+              <a:t>20/03/2025</a:t>
             </a:fld>
             <a:endParaRPr lang="fr-FR" dirty="0"/>
           </a:p>
@@ -4010,7 +4010,7 @@
             <a:pPr algn="r"/>
             <a:fld id="{7157EA00-E116-4412-A431-B963E168A07F}" type="datetime1">
               <a:rPr lang="fr-FR" smtClean="0"/>
-              <a:t>18/03/2025</a:t>
+              <a:t>20/03/2025</a:t>
             </a:fld>
             <a:endParaRPr lang="fr-FR" dirty="0"/>
           </a:p>
@@ -4374,7 +4374,7 @@
             <a:pPr algn="r"/>
             <a:fld id="{EE61BE58-B457-4668-8EC6-83C767977CBF}" type="datetime1">
               <a:rPr lang="fr-FR" smtClean="0"/>
-              <a:t>18/03/2025</a:t>
+              <a:t>20/03/2025</a:t>
             </a:fld>
             <a:endParaRPr lang="fr-FR" dirty="0"/>
           </a:p>
@@ -4550,7 +4550,7 @@
             <a:pPr algn="r"/>
             <a:fld id="{1F3D0A8A-D253-4015-AF29-E65133CE267D}" type="datetime1">
               <a:rPr lang="fr-FR" smtClean="0"/>
-              <a:t>18/03/2025</a:t>
+              <a:t>20/03/2025</a:t>
             </a:fld>
             <a:endParaRPr lang="fr-FR" dirty="0"/>
           </a:p>
@@ -4931,7 +4931,7 @@
             <a:pPr algn="r"/>
             <a:fld id="{94AF7ADE-D49D-494F-8593-F21DFC7B804C}" type="datetime1">
               <a:rPr lang="fr-FR" smtClean="0"/>
-              <a:t>18/03/2025</a:t>
+              <a:t>20/03/2025</a:t>
             </a:fld>
             <a:endParaRPr lang="fr-FR" dirty="0"/>
           </a:p>
@@ -5496,7 +5496,7 @@
             <a:pPr algn="r"/>
             <a:fld id="{F89CAE67-A49E-406F-A173-8DE9A3023CD0}" type="datetime1">
               <a:rPr lang="fr-FR" smtClean="0"/>
-              <a:t>18/03/2025</a:t>
+              <a:t>20/03/2025</a:t>
             </a:fld>
             <a:endParaRPr lang="fr-FR" dirty="0"/>
           </a:p>
@@ -9152,7 +9152,7 @@
             <a:pPr algn="r"/>
             <a:fld id="{937648B1-1D40-48E7-8BE5-7953559C7E53}" type="datetime1">
               <a:rPr lang="fr-FR" smtClean="0"/>
-              <a:t>18/03/2025</a:t>
+              <a:t>20/03/2025</a:t>
             </a:fld>
             <a:endParaRPr lang="fr-FR" dirty="0"/>
           </a:p>
@@ -9484,7 +9484,7 @@
             <a:pPr algn="r"/>
             <a:fld id="{E7997114-131B-41D5-B471-6635DF89858A}" type="datetime1">
               <a:rPr lang="fr-FR" smtClean="0"/>
-              <a:t>18/03/2025</a:t>
+              <a:t>20/03/2025</a:t>
             </a:fld>
             <a:endParaRPr lang="fr-FR" dirty="0"/>
           </a:p>
@@ -9733,7 +9733,7 @@
             <a:pPr algn="r"/>
             <a:fld id="{914B146C-B52E-45C0-9014-7A1346B6AD06}" type="datetime1">
               <a:rPr lang="fr-FR" smtClean="0"/>
-              <a:t>18/03/2025</a:t>
+              <a:t>20/03/2025</a:t>
             </a:fld>
             <a:endParaRPr lang="fr-FR" dirty="0"/>
           </a:p>
@@ -10562,7 +10562,7 @@
             <a:pPr algn="r"/>
             <a:fld id="{896D52EF-E5DE-4880-94A7-00152FBFEE4E}" type="datetime1">
               <a:rPr lang="fr-FR" smtClean="0"/>
-              <a:t>18/03/2025</a:t>
+              <a:t>20/03/2025</a:t>
             </a:fld>
             <a:endParaRPr lang="fr-FR" dirty="0"/>
           </a:p>
@@ -15939,7 +15939,7 @@
             <a:pPr algn="r"/>
             <a:fld id="{2522F7C4-BB3C-47E5-8BE8-65D6820486A8}" type="datetime1">
               <a:rPr lang="fr-FR" smtClean="0"/>
-              <a:t>18/03/2025</a:t>
+              <a:t>20/03/2025</a:t>
             </a:fld>
             <a:endParaRPr lang="fr-FR" dirty="0"/>
           </a:p>
@@ -18659,7 +18659,7 @@
             <a:pPr algn="r"/>
             <a:fld id="{B7479403-C09F-465B-97A0-699B7DD38BA1}" type="datetime1">
               <a:rPr lang="fr-FR" smtClean="0"/>
-              <a:t>18/03/2025</a:t>
+              <a:t>20/03/2025</a:t>
             </a:fld>
             <a:endParaRPr lang="fr-FR" dirty="0"/>
           </a:p>
@@ -18964,7 +18964,7 @@
             <a:pPr algn="r"/>
             <a:fld id="{58F51711-5769-49D1-8B2C-84F0E539B463}" type="datetime1">
               <a:rPr lang="fr-FR" smtClean="0"/>
-              <a:t>18/03/2025</a:t>
+              <a:t>20/03/2025</a:t>
             </a:fld>
             <a:endParaRPr lang="fr-FR" dirty="0"/>
           </a:p>
@@ -19266,7 +19266,7 @@
             <a:pPr algn="r"/>
             <a:fld id="{E54C647A-5F2C-4009-8148-FE6491E2931D}" type="datetime1">
               <a:rPr lang="fr-FR" smtClean="0"/>
-              <a:t>18/03/2025</a:t>
+              <a:t>20/03/2025</a:t>
             </a:fld>
             <a:endParaRPr lang="fr-FR" dirty="0"/>
           </a:p>
@@ -19540,7 +19540,7 @@
             <a:pPr algn="r"/>
             <a:fld id="{1F3D0A8A-D253-4015-AF29-E65133CE267D}" type="datetime1">
               <a:rPr lang="fr-FR" smtClean="0"/>
-              <a:t>18/03/2025</a:t>
+              <a:t>20/03/2025</a:t>
             </a:fld>
             <a:endParaRPr lang="fr-FR" dirty="0"/>
           </a:p>
@@ -20980,7 +20980,7 @@
             <a:fld id="{7707FDA5-3CA0-40E8-8DEA-FAC50C934FF5}" type="datetime1">
               <a:rPr lang="fr-FR" smtClean="0"/>
               <a:pPr/>
-              <a:t>18/03/2025</a:t>
+              <a:t>20/03/2025</a:t>
             </a:fld>
             <a:endParaRPr lang="fr-FR" dirty="0"/>
           </a:p>
@@ -27534,7 +27534,7 @@
             <a:fld id="{7707FDA5-3CA0-40E8-8DEA-FAC50C934FF5}" type="datetime1">
               <a:rPr lang="fr-FR" smtClean="0"/>
               <a:pPr/>
-              <a:t>18/03/2025</a:t>
+              <a:t>20/03/2025</a:t>
             </a:fld>
             <a:endParaRPr lang="fr-FR" dirty="0"/>
           </a:p>
@@ -28480,7 +28480,7 @@
             <a:fld id="{55332610-F28D-48B2-8BC2-5D2F89FFB5A2}" type="datetime1">
               <a:rPr lang="fr-FR" smtClean="0"/>
               <a:pPr/>
-              <a:t>18/03/2025</a:t>
+              <a:t>20/03/2025</a:t>
             </a:fld>
             <a:endParaRPr lang="fr-FR" dirty="0"/>
           </a:p>
@@ -28694,7 +28694,7 @@
             <a:fld id="{8CC4FBE5-C0E0-4ED6-A2F4-8FFA2930851B}" type="datetime1">
               <a:rPr lang="fr-FR" smtClean="0"/>
               <a:pPr/>
-              <a:t>18/03/2025</a:t>
+              <a:t>20/03/2025</a:t>
             </a:fld>
             <a:endParaRPr lang="fr-FR" dirty="0"/>
           </a:p>
@@ -28912,7 +28912,7 @@
             <a:fld id="{87627D80-0555-494B-B192-5F2E9239D64F}" type="datetime1">
               <a:rPr lang="fr-FR" smtClean="0"/>
               <a:pPr/>
-              <a:t>18/03/2025</a:t>
+              <a:t>20/03/2025</a:t>
             </a:fld>
             <a:endParaRPr lang="fr-FR" dirty="0"/>
           </a:p>
@@ -29089,7 +29089,7 @@
             <a:fld id="{ACDE59E8-53CF-4DF9-A484-A1DC56EF09D0}" type="datetime1">
               <a:rPr lang="fr-FR" smtClean="0"/>
               <a:pPr/>
-              <a:t>18/03/2025</a:t>
+              <a:t>20/03/2025</a:t>
             </a:fld>
             <a:endParaRPr lang="fr-FR" dirty="0"/>
           </a:p>
@@ -29953,7 +29953,7 @@
             <a:fld id="{ACDE59E8-53CF-4DF9-A484-A1DC56EF09D0}" type="datetime1">
               <a:rPr lang="fr-FR" smtClean="0"/>
               <a:pPr/>
-              <a:t>18/03/2025</a:t>
+              <a:t>20/03/2025</a:t>
             </a:fld>
             <a:endParaRPr lang="fr-FR" dirty="0"/>
           </a:p>
@@ -30008,7 +30008,7 @@
           <p:nvPr>
             <p:extLst>
               <p:ext uri="{D42A27DB-BD31-4B8C-83A1-F6EECF244321}">
-                <p14:modId xmlns:p14="http://schemas.microsoft.com/office/powerpoint/2010/main" val="1130697257"/>
+                <p14:modId xmlns:p14="http://schemas.microsoft.com/office/powerpoint/2010/main" val="3681868712"/>
               </p:ext>
             </p:extLst>
           </p:nvPr>
@@ -30428,7 +30428,7 @@
                       </a:pPr>
                       <a:r>
                         <a:rPr lang="fr-FR" sz="1100" dirty="0"/>
-                        <a:t>Impacts:</a:t>
+                        <a:t>Impacts: 9</a:t>
                       </a:r>
                     </a:p>
                     <a:p>
@@ -30437,9 +30437,10 @@
                         <a:buChar char="•"/>
                       </a:pPr>
                       <a:r>
-                        <a:rPr lang="fr-FR" sz="1100" dirty="0"/>
-                        <a:t>Architectures:</a:t>
+                        <a:rPr lang="fr-FR" sz="1100"/>
+                        <a:t>Architectures: 8</a:t>
                       </a:r>
+                      <a:endParaRPr lang="fr-FR" sz="1100" dirty="0"/>
                     </a:p>
                   </a:txBody>
                   <a:tcPr anchor="ctr"/>
@@ -32308,8 +32309,14 @@
 </file>
 
 <file path=customXml/item1.xml><?xml version="1.0" encoding="utf-8"?>
-<?mso-contentType ?>
-<SharedContentType xmlns="Microsoft.SharePoint.Taxonomy.ContentTypeSync" SourceId="3bf472f7-a010-4b5a-bb99-a26ed4c99680" ContentTypeId="0x0101" PreviousValue="false" LastSyncTimeStamp="2016-03-10T12:45:02.457Z"/>
+<p:properties xmlns:p="http://schemas.microsoft.com/office/2006/metadata/properties" xmlns:xsi="http://www.w3.org/2001/XMLSchema-instance" xmlns:pc="http://schemas.microsoft.com/office/infopath/2007/PartnerControls">
+  <documentManagement>
+    <b1b820adfd3e4a078472514c1a5cb5ff xmlns="87037488-ec5d-4aba-84c2-9b1d22638e8e">
+      <Terms xmlns="http://schemas.microsoft.com/office/infopath/2007/PartnerControls"/>
+    </b1b820adfd3e4a078472514c1a5cb5ff>
+    <TaxCatchAll xmlns="87037488-ec5d-4aba-84c2-9b1d22638e8e" xsi:nil="true"/>
+  </documentManagement>
+</p:properties>
 </file>
 
 <file path=customXml/item2.xml><?xml version="1.0" encoding="utf-8"?>
@@ -32322,14 +32329,8 @@
 </file>
 
 <file path=customXml/item3.xml><?xml version="1.0" encoding="utf-8"?>
-<p:properties xmlns:p="http://schemas.microsoft.com/office/2006/metadata/properties" xmlns:xsi="http://www.w3.org/2001/XMLSchema-instance" xmlns:pc="http://schemas.microsoft.com/office/infopath/2007/PartnerControls">
-  <documentManagement>
-    <b1b820adfd3e4a078472514c1a5cb5ff xmlns="87037488-ec5d-4aba-84c2-9b1d22638e8e">
-      <Terms xmlns="http://schemas.microsoft.com/office/infopath/2007/PartnerControls"/>
-    </b1b820adfd3e4a078472514c1a5cb5ff>
-    <TaxCatchAll xmlns="87037488-ec5d-4aba-84c2-9b1d22638e8e" xsi:nil="true"/>
-  </documentManagement>
-</p:properties>
+<?mso-contentType ?>
+<SharedContentType xmlns="Microsoft.SharePoint.Taxonomy.ContentTypeSync" SourceId="3bf472f7-a010-4b5a-bb99-a26ed4c99680" ContentTypeId="0x0101" PreviousValue="false" LastSyncTimeStamp="2016-03-10T12:45:02.457Z"/>
 </file>
 
 <file path=customXml/item4.xml><?xml version="1.0" encoding="utf-8"?>
@@ -32514,9 +32515,18 @@
 </file>
 
 <file path=customXml/itemProps1.xml><?xml version="1.0" encoding="utf-8"?>
-<ds:datastoreItem xmlns:ds="http://schemas.openxmlformats.org/officeDocument/2006/customXml" ds:itemID="{D3427412-F38A-4079-A3EC-EE1EE035D339}">
+<ds:datastoreItem xmlns:ds="http://schemas.openxmlformats.org/officeDocument/2006/customXml" ds:itemID="{8667776F-EABC-4754-A5E3-71617D6D17D0}">
   <ds:schemaRefs>
-    <ds:schemaRef ds:uri="Microsoft.SharePoint.Taxonomy.ContentTypeSync"/>
+    <ds:schemaRef ds:uri="http://schemas.microsoft.com/office/2006/documentManagement/types"/>
+    <ds:schemaRef ds:uri="http://purl.org/dc/elements/1.1/"/>
+    <ds:schemaRef ds:uri="87037488-ec5d-4aba-84c2-9b1d22638e8e"/>
+    <ds:schemaRef ds:uri="http://schemas.microsoft.com/office/infopath/2007/PartnerControls"/>
+    <ds:schemaRef ds:uri="http://schemas.openxmlformats.org/package/2006/metadata/core-properties"/>
+    <ds:schemaRef ds:uri="http://purl.org/dc/terms/"/>
+    <ds:schemaRef ds:uri="78ba05a7-74ac-4afc-a8ab-62dd7609eb58"/>
+    <ds:schemaRef ds:uri="http://schemas.microsoft.com/office/2006/metadata/properties"/>
+    <ds:schemaRef ds:uri="http://www.w3.org/XML/1998/namespace"/>
+    <ds:schemaRef ds:uri="http://purl.org/dc/dcmitype/"/>
   </ds:schemaRefs>
 </ds:datastoreItem>
 </file>
@@ -32530,18 +32540,9 @@
 </file>
 
 <file path=customXml/itemProps3.xml><?xml version="1.0" encoding="utf-8"?>
-<ds:datastoreItem xmlns:ds="http://schemas.openxmlformats.org/officeDocument/2006/customXml" ds:itemID="{8667776F-EABC-4754-A5E3-71617D6D17D0}">
+<ds:datastoreItem xmlns:ds="http://schemas.openxmlformats.org/officeDocument/2006/customXml" ds:itemID="{D3427412-F38A-4079-A3EC-EE1EE035D339}">
   <ds:schemaRefs>
-    <ds:schemaRef ds:uri="http://schemas.microsoft.com/office/2006/documentManagement/types"/>
-    <ds:schemaRef ds:uri="http://purl.org/dc/elements/1.1/"/>
-    <ds:schemaRef ds:uri="87037488-ec5d-4aba-84c2-9b1d22638e8e"/>
-    <ds:schemaRef ds:uri="http://schemas.microsoft.com/office/infopath/2007/PartnerControls"/>
-    <ds:schemaRef ds:uri="http://schemas.openxmlformats.org/package/2006/metadata/core-properties"/>
-    <ds:schemaRef ds:uri="http://purl.org/dc/terms/"/>
-    <ds:schemaRef ds:uri="78ba05a7-74ac-4afc-a8ab-62dd7609eb58"/>
-    <ds:schemaRef ds:uri="http://schemas.microsoft.com/office/2006/metadata/properties"/>
-    <ds:schemaRef ds:uri="http://www.w3.org/XML/1998/namespace"/>
-    <ds:schemaRef ds:uri="http://purl.org/dc/dcmitype/"/>
+    <ds:schemaRef ds:uri="Microsoft.SharePoint.Taxonomy.ContentTypeSync"/>
   </ds:schemaRefs>
 </ds:datastoreItem>
 </file>
